--- a/ppt 16-9/1414.我得了秘诀.pptx
+++ b/ppt 16-9/1414.我得了秘诀.pptx
@@ -129,7 +129,7 @@
           <p:cNvPr id="2" name="标题 1">
             <a:extLst>
               <a:ext uri="{FF2B5EF4-FFF2-40B4-BE49-F238E27FC236}">
-                <a16:creationId xmlns:a16="http://schemas.microsoft.com/office/drawing/2014/main" id="{7192E113-E1AA-452E-05DB-BE1DE55C69CE}"/>
+                <a16:creationId xmlns:a16="http://schemas.microsoft.com/office/drawing/2014/main" id="{8309381E-91D0-8D88-CB40-358E5EBF65B9}"/>
               </a:ext>
             </a:extLst>
           </p:cNvPr>
@@ -166,7 +166,7 @@
           <p:cNvPr id="3" name="副标题 2">
             <a:extLst>
               <a:ext uri="{FF2B5EF4-FFF2-40B4-BE49-F238E27FC236}">
-                <a16:creationId xmlns:a16="http://schemas.microsoft.com/office/drawing/2014/main" id="{C477798E-E180-8C4F-7CB1-6538FBA91F08}"/>
+                <a16:creationId xmlns:a16="http://schemas.microsoft.com/office/drawing/2014/main" id="{27280A47-AB56-D137-FCC7-D4EFB22443F5}"/>
               </a:ext>
             </a:extLst>
           </p:cNvPr>
@@ -236,7 +236,7 @@
           <p:cNvPr id="4" name="日期占位符 3">
             <a:extLst>
               <a:ext uri="{FF2B5EF4-FFF2-40B4-BE49-F238E27FC236}">
-                <a16:creationId xmlns:a16="http://schemas.microsoft.com/office/drawing/2014/main" id="{95189393-7DFE-F27C-87D5-31ADE3A7BFA3}"/>
+                <a16:creationId xmlns:a16="http://schemas.microsoft.com/office/drawing/2014/main" id="{F74976F3-9B21-22FE-4059-0A63FD826E9A}"/>
               </a:ext>
             </a:extLst>
           </p:cNvPr>
@@ -252,7 +252,7 @@
           <a:bodyPr/>
           <a:lstStyle/>
           <a:p>
-            <a:fld id="{307FC308-34E7-4778-95C3-F70BC4EBE8A3}" type="datetimeFigureOut">
+            <a:fld id="{D2DF1DB3-D653-42E1-9640-5A398B8F4D45}" type="datetimeFigureOut">
               <a:rPr lang="zh-CN" altLang="en-US" smtClean="0"/>
               <a:t>2024/3/10</a:t>
             </a:fld>
@@ -265,7 +265,7 @@
           <p:cNvPr id="5" name="页脚占位符 4">
             <a:extLst>
               <a:ext uri="{FF2B5EF4-FFF2-40B4-BE49-F238E27FC236}">
-                <a16:creationId xmlns:a16="http://schemas.microsoft.com/office/drawing/2014/main" id="{D35DA648-6389-889A-E7FB-619F0ECDEF06}"/>
+                <a16:creationId xmlns:a16="http://schemas.microsoft.com/office/drawing/2014/main" id="{DC6C32F6-2303-C433-E675-FD3F4387230E}"/>
               </a:ext>
             </a:extLst>
           </p:cNvPr>
@@ -290,7 +290,7 @@
           <p:cNvPr id="6" name="灯片编号占位符 5">
             <a:extLst>
               <a:ext uri="{FF2B5EF4-FFF2-40B4-BE49-F238E27FC236}">
-                <a16:creationId xmlns:a16="http://schemas.microsoft.com/office/drawing/2014/main" id="{AE851C05-4B24-44A4-1CC1-F6B2F213E4F6}"/>
+                <a16:creationId xmlns:a16="http://schemas.microsoft.com/office/drawing/2014/main" id="{056CEB96-1738-AF18-4D11-306338930D47}"/>
               </a:ext>
             </a:extLst>
           </p:cNvPr>
@@ -306,7 +306,7 @@
           <a:bodyPr/>
           <a:lstStyle/>
           <a:p>
-            <a:fld id="{676C1742-07C8-4990-B77E-B10CB3A48DE4}" type="slidenum">
+            <a:fld id="{E0889FE0-532B-46CA-9F2B-C6F6B4E183BA}" type="slidenum">
               <a:rPr lang="zh-CN" altLang="en-US" smtClean="0"/>
               <a:t>‹#›</a:t>
             </a:fld>
@@ -317,7 +317,7 @@
     </p:spTree>
     <p:extLst>
       <p:ext uri="{BB962C8B-B14F-4D97-AF65-F5344CB8AC3E}">
-        <p14:creationId xmlns:p14="http://schemas.microsoft.com/office/powerpoint/2010/main" val="2937479757"/>
+        <p14:creationId xmlns:p14="http://schemas.microsoft.com/office/powerpoint/2010/main" val="2231911031"/>
       </p:ext>
     </p:extLst>
   </p:cSld>
@@ -349,7 +349,7 @@
           <p:cNvPr id="2" name="标题 1">
             <a:extLst>
               <a:ext uri="{FF2B5EF4-FFF2-40B4-BE49-F238E27FC236}">
-                <a16:creationId xmlns:a16="http://schemas.microsoft.com/office/drawing/2014/main" id="{FF63C404-91B8-3EE2-3AB2-CA777302532D}"/>
+                <a16:creationId xmlns:a16="http://schemas.microsoft.com/office/drawing/2014/main" id="{38E565B7-5359-75D3-BCE9-5D64D43F7D8D}"/>
               </a:ext>
             </a:extLst>
           </p:cNvPr>
@@ -377,7 +377,7 @@
           <p:cNvPr id="3" name="竖排文字占位符 2">
             <a:extLst>
               <a:ext uri="{FF2B5EF4-FFF2-40B4-BE49-F238E27FC236}">
-                <a16:creationId xmlns:a16="http://schemas.microsoft.com/office/drawing/2014/main" id="{D3144477-AF27-D170-3C65-939940ECF70D}"/>
+                <a16:creationId xmlns:a16="http://schemas.microsoft.com/office/drawing/2014/main" id="{C8FB3671-E4BA-2581-A7F2-E904168D1D24}"/>
               </a:ext>
             </a:extLst>
           </p:cNvPr>
@@ -434,7 +434,7 @@
           <p:cNvPr id="4" name="日期占位符 3">
             <a:extLst>
               <a:ext uri="{FF2B5EF4-FFF2-40B4-BE49-F238E27FC236}">
-                <a16:creationId xmlns:a16="http://schemas.microsoft.com/office/drawing/2014/main" id="{8A5533B1-C9AE-E5B6-9E8C-E4D4404E2AEE}"/>
+                <a16:creationId xmlns:a16="http://schemas.microsoft.com/office/drawing/2014/main" id="{BF65E35C-097E-F20F-F767-8C4E87766595}"/>
               </a:ext>
             </a:extLst>
           </p:cNvPr>
@@ -450,7 +450,7 @@
           <a:bodyPr/>
           <a:lstStyle/>
           <a:p>
-            <a:fld id="{307FC308-34E7-4778-95C3-F70BC4EBE8A3}" type="datetimeFigureOut">
+            <a:fld id="{D2DF1DB3-D653-42E1-9640-5A398B8F4D45}" type="datetimeFigureOut">
               <a:rPr lang="zh-CN" altLang="en-US" smtClean="0"/>
               <a:t>2024/3/10</a:t>
             </a:fld>
@@ -463,7 +463,7 @@
           <p:cNvPr id="5" name="页脚占位符 4">
             <a:extLst>
               <a:ext uri="{FF2B5EF4-FFF2-40B4-BE49-F238E27FC236}">
-                <a16:creationId xmlns:a16="http://schemas.microsoft.com/office/drawing/2014/main" id="{86AA971C-344E-96CC-1CBC-6906ED0526DC}"/>
+                <a16:creationId xmlns:a16="http://schemas.microsoft.com/office/drawing/2014/main" id="{ED5AFE21-9148-8272-FF8E-B7A5A7963861}"/>
               </a:ext>
             </a:extLst>
           </p:cNvPr>
@@ -488,7 +488,7 @@
           <p:cNvPr id="6" name="灯片编号占位符 5">
             <a:extLst>
               <a:ext uri="{FF2B5EF4-FFF2-40B4-BE49-F238E27FC236}">
-                <a16:creationId xmlns:a16="http://schemas.microsoft.com/office/drawing/2014/main" id="{DEB196BF-3590-0EE9-A40E-08BE6A2015EB}"/>
+                <a16:creationId xmlns:a16="http://schemas.microsoft.com/office/drawing/2014/main" id="{89032853-A29A-13AF-DF62-C8832E9D0DEC}"/>
               </a:ext>
             </a:extLst>
           </p:cNvPr>
@@ -504,7 +504,7 @@
           <a:bodyPr/>
           <a:lstStyle/>
           <a:p>
-            <a:fld id="{676C1742-07C8-4990-B77E-B10CB3A48DE4}" type="slidenum">
+            <a:fld id="{E0889FE0-532B-46CA-9F2B-C6F6B4E183BA}" type="slidenum">
               <a:rPr lang="zh-CN" altLang="en-US" smtClean="0"/>
               <a:t>‹#›</a:t>
             </a:fld>
@@ -515,7 +515,7 @@
     </p:spTree>
     <p:extLst>
       <p:ext uri="{BB962C8B-B14F-4D97-AF65-F5344CB8AC3E}">
-        <p14:creationId xmlns:p14="http://schemas.microsoft.com/office/powerpoint/2010/main" val="3276564680"/>
+        <p14:creationId xmlns:p14="http://schemas.microsoft.com/office/powerpoint/2010/main" val="2625848069"/>
       </p:ext>
     </p:extLst>
   </p:cSld>
@@ -547,7 +547,7 @@
           <p:cNvPr id="2" name="竖排标题 1">
             <a:extLst>
               <a:ext uri="{FF2B5EF4-FFF2-40B4-BE49-F238E27FC236}">
-                <a16:creationId xmlns:a16="http://schemas.microsoft.com/office/drawing/2014/main" id="{7DD97E08-2AFE-053B-1EE6-056EE9C4799C}"/>
+                <a16:creationId xmlns:a16="http://schemas.microsoft.com/office/drawing/2014/main" id="{23346562-F493-4CD3-3ED2-43B8B0B80860}"/>
               </a:ext>
             </a:extLst>
           </p:cNvPr>
@@ -580,7 +580,7 @@
           <p:cNvPr id="3" name="竖排文字占位符 2">
             <a:extLst>
               <a:ext uri="{FF2B5EF4-FFF2-40B4-BE49-F238E27FC236}">
-                <a16:creationId xmlns:a16="http://schemas.microsoft.com/office/drawing/2014/main" id="{5343D6A1-88DF-0644-106D-18802577C7F7}"/>
+                <a16:creationId xmlns:a16="http://schemas.microsoft.com/office/drawing/2014/main" id="{F4DD1FE5-571A-F095-A5CA-861EEEF82736}"/>
               </a:ext>
             </a:extLst>
           </p:cNvPr>
@@ -642,7 +642,7 @@
           <p:cNvPr id="4" name="日期占位符 3">
             <a:extLst>
               <a:ext uri="{FF2B5EF4-FFF2-40B4-BE49-F238E27FC236}">
-                <a16:creationId xmlns:a16="http://schemas.microsoft.com/office/drawing/2014/main" id="{5F284352-7C8F-FF96-2C64-2349362526DB}"/>
+                <a16:creationId xmlns:a16="http://schemas.microsoft.com/office/drawing/2014/main" id="{0DF9DC1E-0AA8-C11C-962D-223425864490}"/>
               </a:ext>
             </a:extLst>
           </p:cNvPr>
@@ -658,7 +658,7 @@
           <a:bodyPr/>
           <a:lstStyle/>
           <a:p>
-            <a:fld id="{307FC308-34E7-4778-95C3-F70BC4EBE8A3}" type="datetimeFigureOut">
+            <a:fld id="{D2DF1DB3-D653-42E1-9640-5A398B8F4D45}" type="datetimeFigureOut">
               <a:rPr lang="zh-CN" altLang="en-US" smtClean="0"/>
               <a:t>2024/3/10</a:t>
             </a:fld>
@@ -671,7 +671,7 @@
           <p:cNvPr id="5" name="页脚占位符 4">
             <a:extLst>
               <a:ext uri="{FF2B5EF4-FFF2-40B4-BE49-F238E27FC236}">
-                <a16:creationId xmlns:a16="http://schemas.microsoft.com/office/drawing/2014/main" id="{A670668F-9996-085F-8CE1-9D28B9CD70DB}"/>
+                <a16:creationId xmlns:a16="http://schemas.microsoft.com/office/drawing/2014/main" id="{B2423CBB-5E58-2DA5-2080-9184ECEBA9FD}"/>
               </a:ext>
             </a:extLst>
           </p:cNvPr>
@@ -696,7 +696,7 @@
           <p:cNvPr id="6" name="灯片编号占位符 5">
             <a:extLst>
               <a:ext uri="{FF2B5EF4-FFF2-40B4-BE49-F238E27FC236}">
-                <a16:creationId xmlns:a16="http://schemas.microsoft.com/office/drawing/2014/main" id="{4DA9F5BB-82E7-25FD-9C6F-7364CF7B42E7}"/>
+                <a16:creationId xmlns:a16="http://schemas.microsoft.com/office/drawing/2014/main" id="{0C8B5BAF-194B-4CE7-4D25-FF5FBBA1CD08}"/>
               </a:ext>
             </a:extLst>
           </p:cNvPr>
@@ -712,7 +712,7 @@
           <a:bodyPr/>
           <a:lstStyle/>
           <a:p>
-            <a:fld id="{676C1742-07C8-4990-B77E-B10CB3A48DE4}" type="slidenum">
+            <a:fld id="{E0889FE0-532B-46CA-9F2B-C6F6B4E183BA}" type="slidenum">
               <a:rPr lang="zh-CN" altLang="en-US" smtClean="0"/>
               <a:t>‹#›</a:t>
             </a:fld>
@@ -723,7 +723,7 @@
     </p:spTree>
     <p:extLst>
       <p:ext uri="{BB962C8B-B14F-4D97-AF65-F5344CB8AC3E}">
-        <p14:creationId xmlns:p14="http://schemas.microsoft.com/office/powerpoint/2010/main" val="2909789627"/>
+        <p14:creationId xmlns:p14="http://schemas.microsoft.com/office/powerpoint/2010/main" val="1345080395"/>
       </p:ext>
     </p:extLst>
   </p:cSld>
@@ -755,7 +755,7 @@
           <p:cNvPr id="2" name="标题 1">
             <a:extLst>
               <a:ext uri="{FF2B5EF4-FFF2-40B4-BE49-F238E27FC236}">
-                <a16:creationId xmlns:a16="http://schemas.microsoft.com/office/drawing/2014/main" id="{F3A7B2A0-85DC-C9E7-D805-C3A98BC79AF5}"/>
+                <a16:creationId xmlns:a16="http://schemas.microsoft.com/office/drawing/2014/main" id="{180A0417-A195-D7D2-C47E-4232B254BC91}"/>
               </a:ext>
             </a:extLst>
           </p:cNvPr>
@@ -783,7 +783,7 @@
           <p:cNvPr id="3" name="内容占位符 2">
             <a:extLst>
               <a:ext uri="{FF2B5EF4-FFF2-40B4-BE49-F238E27FC236}">
-                <a16:creationId xmlns:a16="http://schemas.microsoft.com/office/drawing/2014/main" id="{617D8508-6ED4-4C41-7145-5F3084888345}"/>
+                <a16:creationId xmlns:a16="http://schemas.microsoft.com/office/drawing/2014/main" id="{4EDD41A7-03CC-CA19-B6EF-0E57340F3A45}"/>
               </a:ext>
             </a:extLst>
           </p:cNvPr>
@@ -840,7 +840,7 @@
           <p:cNvPr id="4" name="日期占位符 3">
             <a:extLst>
               <a:ext uri="{FF2B5EF4-FFF2-40B4-BE49-F238E27FC236}">
-                <a16:creationId xmlns:a16="http://schemas.microsoft.com/office/drawing/2014/main" id="{BBFC231B-B98F-C8C9-35CB-7FB158762810}"/>
+                <a16:creationId xmlns:a16="http://schemas.microsoft.com/office/drawing/2014/main" id="{AF30761B-525D-E0CD-DAB1-B293E0D4B4DF}"/>
               </a:ext>
             </a:extLst>
           </p:cNvPr>
@@ -856,7 +856,7 @@
           <a:bodyPr/>
           <a:lstStyle/>
           <a:p>
-            <a:fld id="{307FC308-34E7-4778-95C3-F70BC4EBE8A3}" type="datetimeFigureOut">
+            <a:fld id="{D2DF1DB3-D653-42E1-9640-5A398B8F4D45}" type="datetimeFigureOut">
               <a:rPr lang="zh-CN" altLang="en-US" smtClean="0"/>
               <a:t>2024/3/10</a:t>
             </a:fld>
@@ -869,7 +869,7 @@
           <p:cNvPr id="5" name="页脚占位符 4">
             <a:extLst>
               <a:ext uri="{FF2B5EF4-FFF2-40B4-BE49-F238E27FC236}">
-                <a16:creationId xmlns:a16="http://schemas.microsoft.com/office/drawing/2014/main" id="{BCDDE27C-7020-CB72-64F7-02805D3F6FC0}"/>
+                <a16:creationId xmlns:a16="http://schemas.microsoft.com/office/drawing/2014/main" id="{61517EB1-691D-74E9-992F-7E83B8487B6D}"/>
               </a:ext>
             </a:extLst>
           </p:cNvPr>
@@ -894,7 +894,7 @@
           <p:cNvPr id="6" name="灯片编号占位符 5">
             <a:extLst>
               <a:ext uri="{FF2B5EF4-FFF2-40B4-BE49-F238E27FC236}">
-                <a16:creationId xmlns:a16="http://schemas.microsoft.com/office/drawing/2014/main" id="{0017A8E0-BA11-C55C-2AE4-14DCA2609083}"/>
+                <a16:creationId xmlns:a16="http://schemas.microsoft.com/office/drawing/2014/main" id="{7AB6CC6C-5590-A532-0657-8A9807124F7F}"/>
               </a:ext>
             </a:extLst>
           </p:cNvPr>
@@ -910,7 +910,7 @@
           <a:bodyPr/>
           <a:lstStyle/>
           <a:p>
-            <a:fld id="{676C1742-07C8-4990-B77E-B10CB3A48DE4}" type="slidenum">
+            <a:fld id="{E0889FE0-532B-46CA-9F2B-C6F6B4E183BA}" type="slidenum">
               <a:rPr lang="zh-CN" altLang="en-US" smtClean="0"/>
               <a:t>‹#›</a:t>
             </a:fld>
@@ -921,7 +921,7 @@
     </p:spTree>
     <p:extLst>
       <p:ext uri="{BB962C8B-B14F-4D97-AF65-F5344CB8AC3E}">
-        <p14:creationId xmlns:p14="http://schemas.microsoft.com/office/powerpoint/2010/main" val="2826734386"/>
+        <p14:creationId xmlns:p14="http://schemas.microsoft.com/office/powerpoint/2010/main" val="2273291887"/>
       </p:ext>
     </p:extLst>
   </p:cSld>
@@ -953,7 +953,7 @@
           <p:cNvPr id="2" name="标题 1">
             <a:extLst>
               <a:ext uri="{FF2B5EF4-FFF2-40B4-BE49-F238E27FC236}">
-                <a16:creationId xmlns:a16="http://schemas.microsoft.com/office/drawing/2014/main" id="{D7985AC4-8E9C-E68D-68FC-07C7CE9ECED1}"/>
+                <a16:creationId xmlns:a16="http://schemas.microsoft.com/office/drawing/2014/main" id="{D2564E96-600D-A17A-6684-F668C7E9D391}"/>
               </a:ext>
             </a:extLst>
           </p:cNvPr>
@@ -990,7 +990,7 @@
           <p:cNvPr id="3" name="文本占位符 2">
             <a:extLst>
               <a:ext uri="{FF2B5EF4-FFF2-40B4-BE49-F238E27FC236}">
-                <a16:creationId xmlns:a16="http://schemas.microsoft.com/office/drawing/2014/main" id="{6211D430-54C0-F65A-416C-2FB2E33A7DD7}"/>
+                <a16:creationId xmlns:a16="http://schemas.microsoft.com/office/drawing/2014/main" id="{059FD85E-926B-7765-BE78-D7ACF3B055D0}"/>
               </a:ext>
             </a:extLst>
           </p:cNvPr>
@@ -1115,7 +1115,7 @@
           <p:cNvPr id="4" name="日期占位符 3">
             <a:extLst>
               <a:ext uri="{FF2B5EF4-FFF2-40B4-BE49-F238E27FC236}">
-                <a16:creationId xmlns:a16="http://schemas.microsoft.com/office/drawing/2014/main" id="{8D64D2CC-FAA6-2DEA-03F2-0E2FF77A90C7}"/>
+                <a16:creationId xmlns:a16="http://schemas.microsoft.com/office/drawing/2014/main" id="{725FD412-1D7C-DBD8-7B7B-6AAC3A099F97}"/>
               </a:ext>
             </a:extLst>
           </p:cNvPr>
@@ -1131,7 +1131,7 @@
           <a:bodyPr/>
           <a:lstStyle/>
           <a:p>
-            <a:fld id="{307FC308-34E7-4778-95C3-F70BC4EBE8A3}" type="datetimeFigureOut">
+            <a:fld id="{D2DF1DB3-D653-42E1-9640-5A398B8F4D45}" type="datetimeFigureOut">
               <a:rPr lang="zh-CN" altLang="en-US" smtClean="0"/>
               <a:t>2024/3/10</a:t>
             </a:fld>
@@ -1144,7 +1144,7 @@
           <p:cNvPr id="5" name="页脚占位符 4">
             <a:extLst>
               <a:ext uri="{FF2B5EF4-FFF2-40B4-BE49-F238E27FC236}">
-                <a16:creationId xmlns:a16="http://schemas.microsoft.com/office/drawing/2014/main" id="{AD9CBAD1-BF5A-AB5D-1BF7-F1E37E41DC99}"/>
+                <a16:creationId xmlns:a16="http://schemas.microsoft.com/office/drawing/2014/main" id="{BA4611CB-5907-FD8C-D242-026326C7D29F}"/>
               </a:ext>
             </a:extLst>
           </p:cNvPr>
@@ -1169,7 +1169,7 @@
           <p:cNvPr id="6" name="灯片编号占位符 5">
             <a:extLst>
               <a:ext uri="{FF2B5EF4-FFF2-40B4-BE49-F238E27FC236}">
-                <a16:creationId xmlns:a16="http://schemas.microsoft.com/office/drawing/2014/main" id="{D122CAC0-996C-014A-3A93-57890F2BECFA}"/>
+                <a16:creationId xmlns:a16="http://schemas.microsoft.com/office/drawing/2014/main" id="{83830634-7013-FA4E-00B8-D1736EB69C07}"/>
               </a:ext>
             </a:extLst>
           </p:cNvPr>
@@ -1185,7 +1185,7 @@
           <a:bodyPr/>
           <a:lstStyle/>
           <a:p>
-            <a:fld id="{676C1742-07C8-4990-B77E-B10CB3A48DE4}" type="slidenum">
+            <a:fld id="{E0889FE0-532B-46CA-9F2B-C6F6B4E183BA}" type="slidenum">
               <a:rPr lang="zh-CN" altLang="en-US" smtClean="0"/>
               <a:t>‹#›</a:t>
             </a:fld>
@@ -1196,7 +1196,7 @@
     </p:spTree>
     <p:extLst>
       <p:ext uri="{BB962C8B-B14F-4D97-AF65-F5344CB8AC3E}">
-        <p14:creationId xmlns:p14="http://schemas.microsoft.com/office/powerpoint/2010/main" val="1423269364"/>
+        <p14:creationId xmlns:p14="http://schemas.microsoft.com/office/powerpoint/2010/main" val="3698014083"/>
       </p:ext>
     </p:extLst>
   </p:cSld>
@@ -1228,7 +1228,7 @@
           <p:cNvPr id="2" name="标题 1">
             <a:extLst>
               <a:ext uri="{FF2B5EF4-FFF2-40B4-BE49-F238E27FC236}">
-                <a16:creationId xmlns:a16="http://schemas.microsoft.com/office/drawing/2014/main" id="{7A9360FE-D458-1116-95AC-9E2C8B6699FD}"/>
+                <a16:creationId xmlns:a16="http://schemas.microsoft.com/office/drawing/2014/main" id="{A6997787-2725-09B9-F502-5C3ABB4E3546}"/>
               </a:ext>
             </a:extLst>
           </p:cNvPr>
@@ -1256,7 +1256,7 @@
           <p:cNvPr id="3" name="内容占位符 2">
             <a:extLst>
               <a:ext uri="{FF2B5EF4-FFF2-40B4-BE49-F238E27FC236}">
-                <a16:creationId xmlns:a16="http://schemas.microsoft.com/office/drawing/2014/main" id="{FDE35704-DC2D-7D07-8F5B-867633A66EB1}"/>
+                <a16:creationId xmlns:a16="http://schemas.microsoft.com/office/drawing/2014/main" id="{48D020E7-F807-5BB1-9504-4F27482F55A2}"/>
               </a:ext>
             </a:extLst>
           </p:cNvPr>
@@ -1318,7 +1318,7 @@
           <p:cNvPr id="4" name="内容占位符 3">
             <a:extLst>
               <a:ext uri="{FF2B5EF4-FFF2-40B4-BE49-F238E27FC236}">
-                <a16:creationId xmlns:a16="http://schemas.microsoft.com/office/drawing/2014/main" id="{CDF8BF13-3332-0F8D-2D07-ABA5ACA0C899}"/>
+                <a16:creationId xmlns:a16="http://schemas.microsoft.com/office/drawing/2014/main" id="{0E13C0C7-349E-84A2-C036-71D081D7E89E}"/>
               </a:ext>
             </a:extLst>
           </p:cNvPr>
@@ -1380,7 +1380,7 @@
           <p:cNvPr id="5" name="日期占位符 4">
             <a:extLst>
               <a:ext uri="{FF2B5EF4-FFF2-40B4-BE49-F238E27FC236}">
-                <a16:creationId xmlns:a16="http://schemas.microsoft.com/office/drawing/2014/main" id="{975D48FA-585C-1C77-2800-BA1FA2DDDCBC}"/>
+                <a16:creationId xmlns:a16="http://schemas.microsoft.com/office/drawing/2014/main" id="{9001AF60-B7C4-5D23-5895-E7F1986E5EFC}"/>
               </a:ext>
             </a:extLst>
           </p:cNvPr>
@@ -1396,7 +1396,7 @@
           <a:bodyPr/>
           <a:lstStyle/>
           <a:p>
-            <a:fld id="{307FC308-34E7-4778-95C3-F70BC4EBE8A3}" type="datetimeFigureOut">
+            <a:fld id="{D2DF1DB3-D653-42E1-9640-5A398B8F4D45}" type="datetimeFigureOut">
               <a:rPr lang="zh-CN" altLang="en-US" smtClean="0"/>
               <a:t>2024/3/10</a:t>
             </a:fld>
@@ -1409,7 +1409,7 @@
           <p:cNvPr id="6" name="页脚占位符 5">
             <a:extLst>
               <a:ext uri="{FF2B5EF4-FFF2-40B4-BE49-F238E27FC236}">
-                <a16:creationId xmlns:a16="http://schemas.microsoft.com/office/drawing/2014/main" id="{80742E43-D25D-FC7F-84CC-2A5B23A8FE2C}"/>
+                <a16:creationId xmlns:a16="http://schemas.microsoft.com/office/drawing/2014/main" id="{75102FEA-9CD6-F93D-42AE-C8A96568FF98}"/>
               </a:ext>
             </a:extLst>
           </p:cNvPr>
@@ -1434,7 +1434,7 @@
           <p:cNvPr id="7" name="灯片编号占位符 6">
             <a:extLst>
               <a:ext uri="{FF2B5EF4-FFF2-40B4-BE49-F238E27FC236}">
-                <a16:creationId xmlns:a16="http://schemas.microsoft.com/office/drawing/2014/main" id="{0F04F139-5B17-7AA4-8350-FF339E03057C}"/>
+                <a16:creationId xmlns:a16="http://schemas.microsoft.com/office/drawing/2014/main" id="{ADB6F4DC-5D93-304A-B123-8C7EF6835CCF}"/>
               </a:ext>
             </a:extLst>
           </p:cNvPr>
@@ -1450,7 +1450,7 @@
           <a:bodyPr/>
           <a:lstStyle/>
           <a:p>
-            <a:fld id="{676C1742-07C8-4990-B77E-B10CB3A48DE4}" type="slidenum">
+            <a:fld id="{E0889FE0-532B-46CA-9F2B-C6F6B4E183BA}" type="slidenum">
               <a:rPr lang="zh-CN" altLang="en-US" smtClean="0"/>
               <a:t>‹#›</a:t>
             </a:fld>
@@ -1461,7 +1461,7 @@
     </p:spTree>
     <p:extLst>
       <p:ext uri="{BB962C8B-B14F-4D97-AF65-F5344CB8AC3E}">
-        <p14:creationId xmlns:p14="http://schemas.microsoft.com/office/powerpoint/2010/main" val="3735540487"/>
+        <p14:creationId xmlns:p14="http://schemas.microsoft.com/office/powerpoint/2010/main" val="4170909741"/>
       </p:ext>
     </p:extLst>
   </p:cSld>
@@ -1493,7 +1493,7 @@
           <p:cNvPr id="2" name="标题 1">
             <a:extLst>
               <a:ext uri="{FF2B5EF4-FFF2-40B4-BE49-F238E27FC236}">
-                <a16:creationId xmlns:a16="http://schemas.microsoft.com/office/drawing/2014/main" id="{EDAEA8BB-99B3-7C68-6358-9669D3A50958}"/>
+                <a16:creationId xmlns:a16="http://schemas.microsoft.com/office/drawing/2014/main" id="{17DDFA50-75CE-4BD5-F975-999D2C064260}"/>
               </a:ext>
             </a:extLst>
           </p:cNvPr>
@@ -1526,7 +1526,7 @@
           <p:cNvPr id="3" name="文本占位符 2">
             <a:extLst>
               <a:ext uri="{FF2B5EF4-FFF2-40B4-BE49-F238E27FC236}">
-                <a16:creationId xmlns:a16="http://schemas.microsoft.com/office/drawing/2014/main" id="{84999EE9-6803-259B-0EEC-4551391DC4A6}"/>
+                <a16:creationId xmlns:a16="http://schemas.microsoft.com/office/drawing/2014/main" id="{95FAF8E4-37D1-E4FB-6D7B-696DA115F62E}"/>
               </a:ext>
             </a:extLst>
           </p:cNvPr>
@@ -1597,7 +1597,7 @@
           <p:cNvPr id="4" name="内容占位符 3">
             <a:extLst>
               <a:ext uri="{FF2B5EF4-FFF2-40B4-BE49-F238E27FC236}">
-                <a16:creationId xmlns:a16="http://schemas.microsoft.com/office/drawing/2014/main" id="{868F97AA-78FC-A769-31B7-89ED06B19DB1}"/>
+                <a16:creationId xmlns:a16="http://schemas.microsoft.com/office/drawing/2014/main" id="{5F81471E-D0BC-3088-D170-F3BE69964692}"/>
               </a:ext>
             </a:extLst>
           </p:cNvPr>
@@ -1659,7 +1659,7 @@
           <p:cNvPr id="5" name="文本占位符 4">
             <a:extLst>
               <a:ext uri="{FF2B5EF4-FFF2-40B4-BE49-F238E27FC236}">
-                <a16:creationId xmlns:a16="http://schemas.microsoft.com/office/drawing/2014/main" id="{428BC25F-786A-43A6-FA70-7BEA2416B1C3}"/>
+                <a16:creationId xmlns:a16="http://schemas.microsoft.com/office/drawing/2014/main" id="{A34F40E3-5576-EEE1-81EA-5650BC8DB89B}"/>
               </a:ext>
             </a:extLst>
           </p:cNvPr>
@@ -1730,7 +1730,7 @@
           <p:cNvPr id="6" name="内容占位符 5">
             <a:extLst>
               <a:ext uri="{FF2B5EF4-FFF2-40B4-BE49-F238E27FC236}">
-                <a16:creationId xmlns:a16="http://schemas.microsoft.com/office/drawing/2014/main" id="{3B44AB2C-6F85-DAC1-9FCE-19DC3D30FEF5}"/>
+                <a16:creationId xmlns:a16="http://schemas.microsoft.com/office/drawing/2014/main" id="{271BC263-7475-C965-F6E3-19373414B48F}"/>
               </a:ext>
             </a:extLst>
           </p:cNvPr>
@@ -1792,7 +1792,7 @@
           <p:cNvPr id="7" name="日期占位符 6">
             <a:extLst>
               <a:ext uri="{FF2B5EF4-FFF2-40B4-BE49-F238E27FC236}">
-                <a16:creationId xmlns:a16="http://schemas.microsoft.com/office/drawing/2014/main" id="{ABB252AD-044C-255C-6324-2F6E662A74DA}"/>
+                <a16:creationId xmlns:a16="http://schemas.microsoft.com/office/drawing/2014/main" id="{482884E9-8887-9C99-4D3A-A2FAD7A338EF}"/>
               </a:ext>
             </a:extLst>
           </p:cNvPr>
@@ -1808,7 +1808,7 @@
           <a:bodyPr/>
           <a:lstStyle/>
           <a:p>
-            <a:fld id="{307FC308-34E7-4778-95C3-F70BC4EBE8A3}" type="datetimeFigureOut">
+            <a:fld id="{D2DF1DB3-D653-42E1-9640-5A398B8F4D45}" type="datetimeFigureOut">
               <a:rPr lang="zh-CN" altLang="en-US" smtClean="0"/>
               <a:t>2024/3/10</a:t>
             </a:fld>
@@ -1821,7 +1821,7 @@
           <p:cNvPr id="8" name="页脚占位符 7">
             <a:extLst>
               <a:ext uri="{FF2B5EF4-FFF2-40B4-BE49-F238E27FC236}">
-                <a16:creationId xmlns:a16="http://schemas.microsoft.com/office/drawing/2014/main" id="{5442DA2A-F095-C42D-F8A5-EA098BB7D5B9}"/>
+                <a16:creationId xmlns:a16="http://schemas.microsoft.com/office/drawing/2014/main" id="{3682CFA9-7D43-24BB-43A0-FBC542139DF4}"/>
               </a:ext>
             </a:extLst>
           </p:cNvPr>
@@ -1846,7 +1846,7 @@
           <p:cNvPr id="9" name="灯片编号占位符 8">
             <a:extLst>
               <a:ext uri="{FF2B5EF4-FFF2-40B4-BE49-F238E27FC236}">
-                <a16:creationId xmlns:a16="http://schemas.microsoft.com/office/drawing/2014/main" id="{D17DA7AD-013D-0C98-7295-B7FF2DCCEB4F}"/>
+                <a16:creationId xmlns:a16="http://schemas.microsoft.com/office/drawing/2014/main" id="{76AB9011-4F26-8F9B-C0FA-A068E729C9FD}"/>
               </a:ext>
             </a:extLst>
           </p:cNvPr>
@@ -1862,7 +1862,7 @@
           <a:bodyPr/>
           <a:lstStyle/>
           <a:p>
-            <a:fld id="{676C1742-07C8-4990-B77E-B10CB3A48DE4}" type="slidenum">
+            <a:fld id="{E0889FE0-532B-46CA-9F2B-C6F6B4E183BA}" type="slidenum">
               <a:rPr lang="zh-CN" altLang="en-US" smtClean="0"/>
               <a:t>‹#›</a:t>
             </a:fld>
@@ -1873,7 +1873,7 @@
     </p:spTree>
     <p:extLst>
       <p:ext uri="{BB962C8B-B14F-4D97-AF65-F5344CB8AC3E}">
-        <p14:creationId xmlns:p14="http://schemas.microsoft.com/office/powerpoint/2010/main" val="255770910"/>
+        <p14:creationId xmlns:p14="http://schemas.microsoft.com/office/powerpoint/2010/main" val="3306687413"/>
       </p:ext>
     </p:extLst>
   </p:cSld>
@@ -1905,7 +1905,7 @@
           <p:cNvPr id="2" name="标题 1">
             <a:extLst>
               <a:ext uri="{FF2B5EF4-FFF2-40B4-BE49-F238E27FC236}">
-                <a16:creationId xmlns:a16="http://schemas.microsoft.com/office/drawing/2014/main" id="{26EB0AED-639F-8467-97D6-9152DEC8B28E}"/>
+                <a16:creationId xmlns:a16="http://schemas.microsoft.com/office/drawing/2014/main" id="{0506B28C-6FB0-CD85-F300-FAA00800FD77}"/>
               </a:ext>
             </a:extLst>
           </p:cNvPr>
@@ -1933,7 +1933,7 @@
           <p:cNvPr id="3" name="日期占位符 2">
             <a:extLst>
               <a:ext uri="{FF2B5EF4-FFF2-40B4-BE49-F238E27FC236}">
-                <a16:creationId xmlns:a16="http://schemas.microsoft.com/office/drawing/2014/main" id="{30243660-8F94-9952-CAA7-ACCF9DF24B2C}"/>
+                <a16:creationId xmlns:a16="http://schemas.microsoft.com/office/drawing/2014/main" id="{F0AA15CD-E453-1D51-6DAF-B8FF703B814A}"/>
               </a:ext>
             </a:extLst>
           </p:cNvPr>
@@ -1949,7 +1949,7 @@
           <a:bodyPr/>
           <a:lstStyle/>
           <a:p>
-            <a:fld id="{307FC308-34E7-4778-95C3-F70BC4EBE8A3}" type="datetimeFigureOut">
+            <a:fld id="{D2DF1DB3-D653-42E1-9640-5A398B8F4D45}" type="datetimeFigureOut">
               <a:rPr lang="zh-CN" altLang="en-US" smtClean="0"/>
               <a:t>2024/3/10</a:t>
             </a:fld>
@@ -1962,7 +1962,7 @@
           <p:cNvPr id="4" name="页脚占位符 3">
             <a:extLst>
               <a:ext uri="{FF2B5EF4-FFF2-40B4-BE49-F238E27FC236}">
-                <a16:creationId xmlns:a16="http://schemas.microsoft.com/office/drawing/2014/main" id="{AE4FDA44-CB75-2DEE-7848-0B4FFFEFB54A}"/>
+                <a16:creationId xmlns:a16="http://schemas.microsoft.com/office/drawing/2014/main" id="{CF33E36D-AB82-B804-74FF-94D062752EAF}"/>
               </a:ext>
             </a:extLst>
           </p:cNvPr>
@@ -1987,7 +1987,7 @@
           <p:cNvPr id="5" name="灯片编号占位符 4">
             <a:extLst>
               <a:ext uri="{FF2B5EF4-FFF2-40B4-BE49-F238E27FC236}">
-                <a16:creationId xmlns:a16="http://schemas.microsoft.com/office/drawing/2014/main" id="{AC10A98D-35E2-7777-2794-507E502064DB}"/>
+                <a16:creationId xmlns:a16="http://schemas.microsoft.com/office/drawing/2014/main" id="{4BBB9B54-AFF5-48E4-BF8B-99C373F71591}"/>
               </a:ext>
             </a:extLst>
           </p:cNvPr>
@@ -2003,7 +2003,7 @@
           <a:bodyPr/>
           <a:lstStyle/>
           <a:p>
-            <a:fld id="{676C1742-07C8-4990-B77E-B10CB3A48DE4}" type="slidenum">
+            <a:fld id="{E0889FE0-532B-46CA-9F2B-C6F6B4E183BA}" type="slidenum">
               <a:rPr lang="zh-CN" altLang="en-US" smtClean="0"/>
               <a:t>‹#›</a:t>
             </a:fld>
@@ -2014,7 +2014,7 @@
     </p:spTree>
     <p:extLst>
       <p:ext uri="{BB962C8B-B14F-4D97-AF65-F5344CB8AC3E}">
-        <p14:creationId xmlns:p14="http://schemas.microsoft.com/office/powerpoint/2010/main" val="4171147899"/>
+        <p14:creationId xmlns:p14="http://schemas.microsoft.com/office/powerpoint/2010/main" val="3528345918"/>
       </p:ext>
     </p:extLst>
   </p:cSld>
@@ -2046,7 +2046,7 @@
           <p:cNvPr id="2" name="日期占位符 1">
             <a:extLst>
               <a:ext uri="{FF2B5EF4-FFF2-40B4-BE49-F238E27FC236}">
-                <a16:creationId xmlns:a16="http://schemas.microsoft.com/office/drawing/2014/main" id="{CB2B7992-DCE5-D6A7-B1A6-23D7301E230E}"/>
+                <a16:creationId xmlns:a16="http://schemas.microsoft.com/office/drawing/2014/main" id="{F1EC2CCE-EC7A-9922-FDF6-2F57734CC54F}"/>
               </a:ext>
             </a:extLst>
           </p:cNvPr>
@@ -2062,7 +2062,7 @@
           <a:bodyPr/>
           <a:lstStyle/>
           <a:p>
-            <a:fld id="{307FC308-34E7-4778-95C3-F70BC4EBE8A3}" type="datetimeFigureOut">
+            <a:fld id="{D2DF1DB3-D653-42E1-9640-5A398B8F4D45}" type="datetimeFigureOut">
               <a:rPr lang="zh-CN" altLang="en-US" smtClean="0"/>
               <a:t>2024/3/10</a:t>
             </a:fld>
@@ -2075,7 +2075,7 @@
           <p:cNvPr id="3" name="页脚占位符 2">
             <a:extLst>
               <a:ext uri="{FF2B5EF4-FFF2-40B4-BE49-F238E27FC236}">
-                <a16:creationId xmlns:a16="http://schemas.microsoft.com/office/drawing/2014/main" id="{53DBF727-490B-8AFD-3428-132E0BFD0D4D}"/>
+                <a16:creationId xmlns:a16="http://schemas.microsoft.com/office/drawing/2014/main" id="{95004AB7-9CD8-0ACF-7141-8B91C9DAF2E2}"/>
               </a:ext>
             </a:extLst>
           </p:cNvPr>
@@ -2100,7 +2100,7 @@
           <p:cNvPr id="4" name="灯片编号占位符 3">
             <a:extLst>
               <a:ext uri="{FF2B5EF4-FFF2-40B4-BE49-F238E27FC236}">
-                <a16:creationId xmlns:a16="http://schemas.microsoft.com/office/drawing/2014/main" id="{CDA8030C-84D9-A4F0-537D-643B0B706DD8}"/>
+                <a16:creationId xmlns:a16="http://schemas.microsoft.com/office/drawing/2014/main" id="{94491B78-853B-1C25-2095-01445A3E81F6}"/>
               </a:ext>
             </a:extLst>
           </p:cNvPr>
@@ -2116,7 +2116,7 @@
           <a:bodyPr/>
           <a:lstStyle/>
           <a:p>
-            <a:fld id="{676C1742-07C8-4990-B77E-B10CB3A48DE4}" type="slidenum">
+            <a:fld id="{E0889FE0-532B-46CA-9F2B-C6F6B4E183BA}" type="slidenum">
               <a:rPr lang="zh-CN" altLang="en-US" smtClean="0"/>
               <a:t>‹#›</a:t>
             </a:fld>
@@ -2127,7 +2127,7 @@
     </p:spTree>
     <p:extLst>
       <p:ext uri="{BB962C8B-B14F-4D97-AF65-F5344CB8AC3E}">
-        <p14:creationId xmlns:p14="http://schemas.microsoft.com/office/powerpoint/2010/main" val="3332029568"/>
+        <p14:creationId xmlns:p14="http://schemas.microsoft.com/office/powerpoint/2010/main" val="4079422821"/>
       </p:ext>
     </p:extLst>
   </p:cSld>
@@ -2159,7 +2159,7 @@
           <p:cNvPr id="2" name="标题 1">
             <a:extLst>
               <a:ext uri="{FF2B5EF4-FFF2-40B4-BE49-F238E27FC236}">
-                <a16:creationId xmlns:a16="http://schemas.microsoft.com/office/drawing/2014/main" id="{A1B45A7A-FC86-86CA-45DF-969A51407040}"/>
+                <a16:creationId xmlns:a16="http://schemas.microsoft.com/office/drawing/2014/main" id="{D23466D7-15F5-1068-E6E3-E7EF4924540D}"/>
               </a:ext>
             </a:extLst>
           </p:cNvPr>
@@ -2196,7 +2196,7 @@
           <p:cNvPr id="3" name="内容占位符 2">
             <a:extLst>
               <a:ext uri="{FF2B5EF4-FFF2-40B4-BE49-F238E27FC236}">
-                <a16:creationId xmlns:a16="http://schemas.microsoft.com/office/drawing/2014/main" id="{8531C30B-A855-D4B8-CC4C-C441DDA378E0}"/>
+                <a16:creationId xmlns:a16="http://schemas.microsoft.com/office/drawing/2014/main" id="{5037BF71-42A9-49F1-C41D-7BF53B078EC3}"/>
               </a:ext>
             </a:extLst>
           </p:cNvPr>
@@ -2286,7 +2286,7 @@
           <p:cNvPr id="4" name="文本占位符 3">
             <a:extLst>
               <a:ext uri="{FF2B5EF4-FFF2-40B4-BE49-F238E27FC236}">
-                <a16:creationId xmlns:a16="http://schemas.microsoft.com/office/drawing/2014/main" id="{C3619694-4E15-DC2D-BC3D-5DE6B329373F}"/>
+                <a16:creationId xmlns:a16="http://schemas.microsoft.com/office/drawing/2014/main" id="{CB834852-0E3C-2FB8-ED20-698892D27F6C}"/>
               </a:ext>
             </a:extLst>
           </p:cNvPr>
@@ -2357,7 +2357,7 @@
           <p:cNvPr id="5" name="日期占位符 4">
             <a:extLst>
               <a:ext uri="{FF2B5EF4-FFF2-40B4-BE49-F238E27FC236}">
-                <a16:creationId xmlns:a16="http://schemas.microsoft.com/office/drawing/2014/main" id="{11C8D93D-83A5-3EC6-A0A9-2C21A66D3727}"/>
+                <a16:creationId xmlns:a16="http://schemas.microsoft.com/office/drawing/2014/main" id="{8B71D304-2192-8D58-6CDA-8D9A334D6320}"/>
               </a:ext>
             </a:extLst>
           </p:cNvPr>
@@ -2373,7 +2373,7 @@
           <a:bodyPr/>
           <a:lstStyle/>
           <a:p>
-            <a:fld id="{307FC308-34E7-4778-95C3-F70BC4EBE8A3}" type="datetimeFigureOut">
+            <a:fld id="{D2DF1DB3-D653-42E1-9640-5A398B8F4D45}" type="datetimeFigureOut">
               <a:rPr lang="zh-CN" altLang="en-US" smtClean="0"/>
               <a:t>2024/3/10</a:t>
             </a:fld>
@@ -2386,7 +2386,7 @@
           <p:cNvPr id="6" name="页脚占位符 5">
             <a:extLst>
               <a:ext uri="{FF2B5EF4-FFF2-40B4-BE49-F238E27FC236}">
-                <a16:creationId xmlns:a16="http://schemas.microsoft.com/office/drawing/2014/main" id="{5990868D-CFB5-999E-B7C1-151D5A86A0E6}"/>
+                <a16:creationId xmlns:a16="http://schemas.microsoft.com/office/drawing/2014/main" id="{89F5627B-27E9-0EF1-231E-514B2432E14A}"/>
               </a:ext>
             </a:extLst>
           </p:cNvPr>
@@ -2411,7 +2411,7 @@
           <p:cNvPr id="7" name="灯片编号占位符 6">
             <a:extLst>
               <a:ext uri="{FF2B5EF4-FFF2-40B4-BE49-F238E27FC236}">
-                <a16:creationId xmlns:a16="http://schemas.microsoft.com/office/drawing/2014/main" id="{2CC3A768-F27D-8118-D4E9-77218AC884F1}"/>
+                <a16:creationId xmlns:a16="http://schemas.microsoft.com/office/drawing/2014/main" id="{FD4C8A44-8223-725F-6150-54DC3CEF5CA7}"/>
               </a:ext>
             </a:extLst>
           </p:cNvPr>
@@ -2427,7 +2427,7 @@
           <a:bodyPr/>
           <a:lstStyle/>
           <a:p>
-            <a:fld id="{676C1742-07C8-4990-B77E-B10CB3A48DE4}" type="slidenum">
+            <a:fld id="{E0889FE0-532B-46CA-9F2B-C6F6B4E183BA}" type="slidenum">
               <a:rPr lang="zh-CN" altLang="en-US" smtClean="0"/>
               <a:t>‹#›</a:t>
             </a:fld>
@@ -2438,7 +2438,7 @@
     </p:spTree>
     <p:extLst>
       <p:ext uri="{BB962C8B-B14F-4D97-AF65-F5344CB8AC3E}">
-        <p14:creationId xmlns:p14="http://schemas.microsoft.com/office/powerpoint/2010/main" val="1265558303"/>
+        <p14:creationId xmlns:p14="http://schemas.microsoft.com/office/powerpoint/2010/main" val="3463153059"/>
       </p:ext>
     </p:extLst>
   </p:cSld>
@@ -2470,7 +2470,7 @@
           <p:cNvPr id="2" name="标题 1">
             <a:extLst>
               <a:ext uri="{FF2B5EF4-FFF2-40B4-BE49-F238E27FC236}">
-                <a16:creationId xmlns:a16="http://schemas.microsoft.com/office/drawing/2014/main" id="{D8EE0032-4D92-D83E-AC59-1A37B5E5F7AE}"/>
+                <a16:creationId xmlns:a16="http://schemas.microsoft.com/office/drawing/2014/main" id="{7DAAA8C0-5633-C765-B6A5-F6FEA826F918}"/>
               </a:ext>
             </a:extLst>
           </p:cNvPr>
@@ -2507,7 +2507,7 @@
           <p:cNvPr id="3" name="图片占位符 2">
             <a:extLst>
               <a:ext uri="{FF2B5EF4-FFF2-40B4-BE49-F238E27FC236}">
-                <a16:creationId xmlns:a16="http://schemas.microsoft.com/office/drawing/2014/main" id="{A382E04F-B79D-555D-D0EE-4A6E96D7F90A}"/>
+                <a16:creationId xmlns:a16="http://schemas.microsoft.com/office/drawing/2014/main" id="{F47E8556-A496-6129-1F07-B4669B6C3ACB}"/>
               </a:ext>
             </a:extLst>
           </p:cNvPr>
@@ -2574,7 +2574,7 @@
           <p:cNvPr id="4" name="文本占位符 3">
             <a:extLst>
               <a:ext uri="{FF2B5EF4-FFF2-40B4-BE49-F238E27FC236}">
-                <a16:creationId xmlns:a16="http://schemas.microsoft.com/office/drawing/2014/main" id="{8A479D5E-BE3F-4F97-E778-258222DB03A9}"/>
+                <a16:creationId xmlns:a16="http://schemas.microsoft.com/office/drawing/2014/main" id="{C3B28FED-A388-96D9-8092-D216A3F686CE}"/>
               </a:ext>
             </a:extLst>
           </p:cNvPr>
@@ -2645,7 +2645,7 @@
           <p:cNvPr id="5" name="日期占位符 4">
             <a:extLst>
               <a:ext uri="{FF2B5EF4-FFF2-40B4-BE49-F238E27FC236}">
-                <a16:creationId xmlns:a16="http://schemas.microsoft.com/office/drawing/2014/main" id="{13BA0B5F-6906-3CE6-0D01-C34F777A1D1A}"/>
+                <a16:creationId xmlns:a16="http://schemas.microsoft.com/office/drawing/2014/main" id="{67492975-7861-B250-02B8-382748BE549A}"/>
               </a:ext>
             </a:extLst>
           </p:cNvPr>
@@ -2661,7 +2661,7 @@
           <a:bodyPr/>
           <a:lstStyle/>
           <a:p>
-            <a:fld id="{307FC308-34E7-4778-95C3-F70BC4EBE8A3}" type="datetimeFigureOut">
+            <a:fld id="{D2DF1DB3-D653-42E1-9640-5A398B8F4D45}" type="datetimeFigureOut">
               <a:rPr lang="zh-CN" altLang="en-US" smtClean="0"/>
               <a:t>2024/3/10</a:t>
             </a:fld>
@@ -2674,7 +2674,7 @@
           <p:cNvPr id="6" name="页脚占位符 5">
             <a:extLst>
               <a:ext uri="{FF2B5EF4-FFF2-40B4-BE49-F238E27FC236}">
-                <a16:creationId xmlns:a16="http://schemas.microsoft.com/office/drawing/2014/main" id="{7187D72C-DC2C-8717-2F36-6241115E2594}"/>
+                <a16:creationId xmlns:a16="http://schemas.microsoft.com/office/drawing/2014/main" id="{894A8832-6520-438E-B8C2-59002D0D896E}"/>
               </a:ext>
             </a:extLst>
           </p:cNvPr>
@@ -2699,7 +2699,7 @@
           <p:cNvPr id="7" name="灯片编号占位符 6">
             <a:extLst>
               <a:ext uri="{FF2B5EF4-FFF2-40B4-BE49-F238E27FC236}">
-                <a16:creationId xmlns:a16="http://schemas.microsoft.com/office/drawing/2014/main" id="{A515D17D-4931-EADA-D5B4-CE853772654A}"/>
+                <a16:creationId xmlns:a16="http://schemas.microsoft.com/office/drawing/2014/main" id="{A665FD9C-19F4-1E62-E28B-718AB2FFEDCA}"/>
               </a:ext>
             </a:extLst>
           </p:cNvPr>
@@ -2715,7 +2715,7 @@
           <a:bodyPr/>
           <a:lstStyle/>
           <a:p>
-            <a:fld id="{676C1742-07C8-4990-B77E-B10CB3A48DE4}" type="slidenum">
+            <a:fld id="{E0889FE0-532B-46CA-9F2B-C6F6B4E183BA}" type="slidenum">
               <a:rPr lang="zh-CN" altLang="en-US" smtClean="0"/>
               <a:t>‹#›</a:t>
             </a:fld>
@@ -2726,7 +2726,7 @@
     </p:spTree>
     <p:extLst>
       <p:ext uri="{BB962C8B-B14F-4D97-AF65-F5344CB8AC3E}">
-        <p14:creationId xmlns:p14="http://schemas.microsoft.com/office/powerpoint/2010/main" val="1130384836"/>
+        <p14:creationId xmlns:p14="http://schemas.microsoft.com/office/powerpoint/2010/main" val="1328811308"/>
       </p:ext>
     </p:extLst>
   </p:cSld>
@@ -2763,7 +2763,7 @@
           <p:cNvPr id="2" name="标题占位符 1">
             <a:extLst>
               <a:ext uri="{FF2B5EF4-FFF2-40B4-BE49-F238E27FC236}">
-                <a16:creationId xmlns:a16="http://schemas.microsoft.com/office/drawing/2014/main" id="{6BB11B73-A726-FC2C-3EEC-96D4D868990A}"/>
+                <a16:creationId xmlns:a16="http://schemas.microsoft.com/office/drawing/2014/main" id="{16FEA8E2-B919-613B-BD11-1DD06C49DA78}"/>
               </a:ext>
             </a:extLst>
           </p:cNvPr>
@@ -2801,7 +2801,7 @@
           <p:cNvPr id="3" name="文本占位符 2">
             <a:extLst>
               <a:ext uri="{FF2B5EF4-FFF2-40B4-BE49-F238E27FC236}">
-                <a16:creationId xmlns:a16="http://schemas.microsoft.com/office/drawing/2014/main" id="{4B8C39ED-74CC-DD6B-709B-79C49E92828B}"/>
+                <a16:creationId xmlns:a16="http://schemas.microsoft.com/office/drawing/2014/main" id="{1CD805BD-9CE1-2B96-3444-45ED6558ABC8}"/>
               </a:ext>
             </a:extLst>
           </p:cNvPr>
@@ -2868,7 +2868,7 @@
           <p:cNvPr id="4" name="日期占位符 3">
             <a:extLst>
               <a:ext uri="{FF2B5EF4-FFF2-40B4-BE49-F238E27FC236}">
-                <a16:creationId xmlns:a16="http://schemas.microsoft.com/office/drawing/2014/main" id="{9210D0C4-B758-5E26-088F-C61738F5D1C7}"/>
+                <a16:creationId xmlns:a16="http://schemas.microsoft.com/office/drawing/2014/main" id="{6BD00903-48EE-8EB0-D2E5-3FB8F3C5DA5E}"/>
               </a:ext>
             </a:extLst>
           </p:cNvPr>
@@ -2902,7 +2902,7 @@
             </a:lvl1pPr>
           </a:lstStyle>
           <a:p>
-            <a:fld id="{307FC308-34E7-4778-95C3-F70BC4EBE8A3}" type="datetimeFigureOut">
+            <a:fld id="{D2DF1DB3-D653-42E1-9640-5A398B8F4D45}" type="datetimeFigureOut">
               <a:rPr lang="zh-CN" altLang="en-US" smtClean="0"/>
               <a:t>2024/3/10</a:t>
             </a:fld>
@@ -2915,7 +2915,7 @@
           <p:cNvPr id="5" name="页脚占位符 4">
             <a:extLst>
               <a:ext uri="{FF2B5EF4-FFF2-40B4-BE49-F238E27FC236}">
-                <a16:creationId xmlns:a16="http://schemas.microsoft.com/office/drawing/2014/main" id="{6ABA9C06-B9C5-73F7-6684-184284D1D091}"/>
+                <a16:creationId xmlns:a16="http://schemas.microsoft.com/office/drawing/2014/main" id="{E2CDA1F0-C03D-BEED-5F7A-2DF768E9A38A}"/>
               </a:ext>
             </a:extLst>
           </p:cNvPr>
@@ -2958,7 +2958,7 @@
           <p:cNvPr id="6" name="灯片编号占位符 5">
             <a:extLst>
               <a:ext uri="{FF2B5EF4-FFF2-40B4-BE49-F238E27FC236}">
-                <a16:creationId xmlns:a16="http://schemas.microsoft.com/office/drawing/2014/main" id="{F844C851-8882-D256-753C-EA9A18EF54F4}"/>
+                <a16:creationId xmlns:a16="http://schemas.microsoft.com/office/drawing/2014/main" id="{C6B5D559-D127-33A0-DF4D-AE241049B31E}"/>
               </a:ext>
             </a:extLst>
           </p:cNvPr>
@@ -2992,7 +2992,7 @@
             </a:lvl1pPr>
           </a:lstStyle>
           <a:p>
-            <a:fld id="{676C1742-07C8-4990-B77E-B10CB3A48DE4}" type="slidenum">
+            <a:fld id="{E0889FE0-532B-46CA-9F2B-C6F6B4E183BA}" type="slidenum">
               <a:rPr lang="zh-CN" altLang="en-US" smtClean="0"/>
               <a:t>‹#›</a:t>
             </a:fld>
@@ -3003,7 +3003,7 @@
     </p:spTree>
     <p:extLst>
       <p:ext uri="{BB962C8B-B14F-4D97-AF65-F5344CB8AC3E}">
-        <p14:creationId xmlns:p14="http://schemas.microsoft.com/office/powerpoint/2010/main" val="3783937282"/>
+        <p14:creationId xmlns:p14="http://schemas.microsoft.com/office/powerpoint/2010/main" val="1623185716"/>
       </p:ext>
     </p:extLst>
   </p:cSld>
